--- a/logo/BitIT_logo.pptx
+++ b/logo/BitIT_logo.pptx
@@ -6,6 +6,7 @@
   </p:sldMasterIdLst>
   <p:sldIdLst>
     <p:sldId id="256" r:id="rId2"/>
+    <p:sldId id="257" r:id="rId3"/>
   </p:sldIdLst>
   <p:sldSz cx="3600450" cy="3600450"/>
   <p:notesSz cx="6858000" cy="9144000"/>
@@ -104,6 +105,11 @@
       </a:defRPr>
     </a:lvl9pPr>
   </p:defaultTextStyle>
+  <p:extLst>
+    <p:ext uri="{EFAFB233-063F-42B5-8137-9DF3F51BA10A}">
+      <p15:sldGuideLst xmlns:p15="http://schemas.microsoft.com/office/powerpoint/2012/main"/>
+    </p:ext>
+  </p:extLst>
 </p:presentation>
 </file>
 
@@ -3071,6 +3077,85 @@
 </p:sld>
 </file>
 
+<file path=ppt/slides/slide2.xml><?xml version="1.0" encoding="utf-8"?>
+<p:sld xmlns:a="http://schemas.openxmlformats.org/drawingml/2006/main" xmlns:r="http://schemas.openxmlformats.org/officeDocument/2006/relationships" xmlns:p="http://schemas.openxmlformats.org/presentationml/2006/main">
+  <p:cSld>
+    <p:spTree>
+      <p:nvGrpSpPr>
+        <p:cNvPr id="1" name=""/>
+        <p:cNvGrpSpPr/>
+        <p:nvPr/>
+      </p:nvGrpSpPr>
+      <p:grpSpPr>
+        <a:xfrm>
+          <a:off x="0" y="0"/>
+          <a:ext cx="0" cy="0"/>
+          <a:chOff x="0" y="0"/>
+          <a:chExt cx="0" cy="0"/>
+        </a:xfrm>
+      </p:grpSpPr>
+      <p:sp>
+        <p:nvSpPr>
+          <p:cNvPr id="2" name="Rectangle 1">
+            <a:extLst>
+              <a:ext uri="{FF2B5EF4-FFF2-40B4-BE49-F238E27FC236}">
+                <a16:creationId xmlns:a16="http://schemas.microsoft.com/office/drawing/2014/main" id="{147F2E1A-62AD-4ADC-9B4F-CAB9E95B99CB}"/>
+              </a:ext>
+            </a:extLst>
+          </p:cNvPr>
+          <p:cNvSpPr/>
+          <p:nvPr/>
+        </p:nvSpPr>
+        <p:spPr>
+          <a:xfrm>
+            <a:off x="267594" y="692229"/>
+            <a:ext cx="3065262" cy="2215991"/>
+          </a:xfrm>
+          <a:prstGeom prst="rect">
+            <a:avLst/>
+          </a:prstGeom>
+        </p:spPr>
+        <p:txBody>
+          <a:bodyPr wrap="none">
+            <a:spAutoFit/>
+          </a:bodyPr>
+          <a:lstStyle/>
+          <a:p>
+            <a:pPr algn="ctr"/>
+            <a:r>
+              <a:rPr lang="en-US" sz="9600" dirty="0" err="1">
+                <a:latin typeface="Arial Nova Light" panose="020B0304020202020204" pitchFamily="34" charset="0"/>
+                <a:cs typeface="Arial" panose="020B0604020202020204" pitchFamily="34" charset="0"/>
+              </a:rPr>
+              <a:t>bit</a:t>
+            </a:r>
+            <a:r>
+              <a:rPr lang="en-US" sz="13800" b="1" dirty="0" err="1">
+                <a:latin typeface="Arial Nova" panose="020B0504020202020204" pitchFamily="34" charset="0"/>
+                <a:cs typeface="Arial" panose="020B0604020202020204" pitchFamily="34" charset="0"/>
+              </a:rPr>
+              <a:t>IT</a:t>
+            </a:r>
+            <a:endParaRPr lang="en-US" sz="16600" b="1" dirty="0">
+              <a:latin typeface="Arial Nova" panose="020B0504020202020204" pitchFamily="34" charset="0"/>
+              <a:cs typeface="Arial" panose="020B0604020202020204" pitchFamily="34" charset="0"/>
+            </a:endParaRPr>
+          </a:p>
+        </p:txBody>
+      </p:sp>
+    </p:spTree>
+    <p:extLst>
+      <p:ext uri="{BB962C8B-B14F-4D97-AF65-F5344CB8AC3E}">
+        <p14:creationId xmlns:p14="http://schemas.microsoft.com/office/powerpoint/2010/main" val="1350821886"/>
+      </p:ext>
+    </p:extLst>
+  </p:cSld>
+  <p:clrMapOvr>
+    <a:masterClrMapping/>
+  </p:clrMapOvr>
+</p:sld>
+</file>
+
 <file path=ppt/theme/theme1.xml><?xml version="1.0" encoding="utf-8"?>
 <a:theme xmlns:a="http://schemas.openxmlformats.org/drawingml/2006/main" name="Office Theme">
   <a:themeElements>

--- a/logo/BitIT_logo.pptx
+++ b/logo/BitIT_logo.pptx
@@ -7,6 +7,8 @@
   <p:sldIdLst>
     <p:sldId id="256" r:id="rId2"/>
     <p:sldId id="257" r:id="rId3"/>
+    <p:sldId id="258" r:id="rId4"/>
+    <p:sldId id="259" r:id="rId5"/>
   </p:sldIdLst>
   <p:sldSz cx="3600450" cy="3600450"/>
   <p:notesSz cx="6858000" cy="9144000"/>
@@ -107,7 +109,18 @@
   </p:defaultTextStyle>
   <p:extLst>
     <p:ext uri="{EFAFB233-063F-42B5-8137-9DF3F51BA10A}">
-      <p15:sldGuideLst xmlns:p15="http://schemas.microsoft.com/office/powerpoint/2012/main"/>
+      <p15:sldGuideLst xmlns:p15="http://schemas.microsoft.com/office/powerpoint/2012/main">
+        <p15:guide id="1" orient="horz" pos="1134" userDrawn="1">
+          <p15:clr>
+            <a:srgbClr val="A4A3A4"/>
+          </p15:clr>
+        </p15:guide>
+        <p15:guide id="2" pos="1134" userDrawn="1">
+          <p15:clr>
+            <a:srgbClr val="A4A3A4"/>
+          </p15:clr>
+        </p15:guide>
+      </p15:sldGuideLst>
     </p:ext>
   </p:extLst>
 </p:presentation>
@@ -3156,6 +3169,389 @@
 </p:sld>
 </file>
 
+<file path=ppt/slides/slide3.xml><?xml version="1.0" encoding="utf-8"?>
+<p:sld xmlns:a="http://schemas.openxmlformats.org/drawingml/2006/main" xmlns:r="http://schemas.openxmlformats.org/officeDocument/2006/relationships" xmlns:p="http://schemas.openxmlformats.org/presentationml/2006/main">
+  <p:cSld>
+    <p:spTree>
+      <p:nvGrpSpPr>
+        <p:cNvPr id="1" name=""/>
+        <p:cNvGrpSpPr/>
+        <p:nvPr/>
+      </p:nvGrpSpPr>
+      <p:grpSpPr>
+        <a:xfrm>
+          <a:off x="0" y="0"/>
+          <a:ext cx="0" cy="0"/>
+          <a:chOff x="0" y="0"/>
+          <a:chExt cx="0" cy="0"/>
+        </a:xfrm>
+      </p:grpSpPr>
+      <p:grpSp>
+        <p:nvGrpSpPr>
+          <p:cNvPr id="8" name="Group 7">
+            <a:extLst>
+              <a:ext uri="{FF2B5EF4-FFF2-40B4-BE49-F238E27FC236}">
+                <a16:creationId xmlns:a16="http://schemas.microsoft.com/office/drawing/2014/main" id="{3B3FB595-F48B-4FB7-B799-733C2252F2F0}"/>
+              </a:ext>
+            </a:extLst>
+          </p:cNvPr>
+          <p:cNvGrpSpPr/>
+          <p:nvPr/>
+        </p:nvGrpSpPr>
+        <p:grpSpPr>
+          <a:xfrm>
+            <a:off x="356748" y="738396"/>
+            <a:ext cx="2886954" cy="2123658"/>
+            <a:chOff x="249836" y="75027"/>
+            <a:chExt cx="2886954" cy="2123658"/>
+          </a:xfrm>
+        </p:grpSpPr>
+        <p:sp>
+          <p:nvSpPr>
+            <p:cNvPr id="2" name="Rectangle 1">
+              <a:extLst>
+                <a:ext uri="{FF2B5EF4-FFF2-40B4-BE49-F238E27FC236}">
+                  <a16:creationId xmlns:a16="http://schemas.microsoft.com/office/drawing/2014/main" id="{147F2E1A-62AD-4ADC-9B4F-CAB9E95B99CB}"/>
+                </a:ext>
+              </a:extLst>
+            </p:cNvPr>
+            <p:cNvSpPr/>
+            <p:nvPr/>
+          </p:nvSpPr>
+          <p:spPr>
+            <a:xfrm>
+              <a:off x="1541803" y="75027"/>
+              <a:ext cx="1594987" cy="2123658"/>
+            </a:xfrm>
+            <a:prstGeom prst="rect">
+              <a:avLst/>
+            </a:prstGeom>
+          </p:spPr>
+          <p:txBody>
+            <a:bodyPr wrap="none" lIns="0" tIns="0" rIns="0" bIns="0" anchor="b">
+              <a:spAutoFit/>
+            </a:bodyPr>
+            <a:lstStyle/>
+            <a:p>
+              <a:pPr algn="ctr"/>
+              <a:r>
+                <a:rPr lang="en-US" sz="13800" b="1" dirty="0">
+                  <a:latin typeface="Arial Nova" panose="020B0504020202020204" pitchFamily="34" charset="0"/>
+                  <a:cs typeface="Arial" panose="020B0604020202020204" pitchFamily="34" charset="0"/>
+                </a:rPr>
+                <a:t>IT</a:t>
+              </a:r>
+              <a:endParaRPr lang="en-US" sz="16600" b="1" dirty="0">
+                <a:latin typeface="Arial Nova" panose="020B0504020202020204" pitchFamily="34" charset="0"/>
+                <a:cs typeface="Arial" panose="020B0604020202020204" pitchFamily="34" charset="0"/>
+              </a:endParaRPr>
+            </a:p>
+          </p:txBody>
+        </p:sp>
+        <p:grpSp>
+          <p:nvGrpSpPr>
+            <p:cNvPr id="7" name="Group 6">
+              <a:extLst>
+                <a:ext uri="{FF2B5EF4-FFF2-40B4-BE49-F238E27FC236}">
+                  <a16:creationId xmlns:a16="http://schemas.microsoft.com/office/drawing/2014/main" id="{B2B6F31D-A933-454A-B947-D9153F4AA953}"/>
+                </a:ext>
+              </a:extLst>
+            </p:cNvPr>
+            <p:cNvGrpSpPr/>
+            <p:nvPr/>
+          </p:nvGrpSpPr>
+          <p:grpSpPr>
+            <a:xfrm>
+              <a:off x="249836" y="443163"/>
+              <a:ext cx="1346931" cy="1477328"/>
+              <a:chOff x="194872" y="398192"/>
+              <a:chExt cx="1346931" cy="1477328"/>
+            </a:xfrm>
+          </p:grpSpPr>
+          <p:sp>
+            <p:nvSpPr>
+              <p:cNvPr id="3" name="Rectangle 2">
+                <a:extLst>
+                  <a:ext uri="{FF2B5EF4-FFF2-40B4-BE49-F238E27FC236}">
+                    <a16:creationId xmlns:a16="http://schemas.microsoft.com/office/drawing/2014/main" id="{D3465D3D-7DDC-469C-9F5B-58CBFE85A7B2}"/>
+                  </a:ext>
+                </a:extLst>
+              </p:cNvPr>
+              <p:cNvSpPr/>
+              <p:nvPr/>
+            </p:nvSpPr>
+            <p:spPr>
+              <a:xfrm>
+                <a:off x="194872" y="398192"/>
+                <a:ext cx="1346931" cy="1477328"/>
+              </a:xfrm>
+              <a:prstGeom prst="rect">
+                <a:avLst/>
+              </a:prstGeom>
+            </p:spPr>
+            <p:txBody>
+              <a:bodyPr wrap="square" lIns="0" tIns="0" rIns="0" bIns="0" anchor="b">
+                <a:spAutoFit/>
+              </a:bodyPr>
+              <a:lstStyle/>
+              <a:p>
+                <a:r>
+                  <a:rPr lang="en-US" sz="9600" dirty="0">
+                    <a:latin typeface="Arial Nova Light" panose="020B0304020202020204" pitchFamily="34" charset="0"/>
+                    <a:cs typeface="Arial" panose="020B0604020202020204" pitchFamily="34" charset="0"/>
+                  </a:rPr>
+                  <a:t>bit</a:t>
+                </a:r>
+                <a:endParaRPr lang="en-US" sz="9600" dirty="0"/>
+              </a:p>
+            </p:txBody>
+          </p:sp>
+          <p:cxnSp>
+            <p:nvCxnSpPr>
+              <p:cNvPr id="5" name="Straight Connector 4">
+                <a:extLst>
+                  <a:ext uri="{FF2B5EF4-FFF2-40B4-BE49-F238E27FC236}">
+                    <a16:creationId xmlns:a16="http://schemas.microsoft.com/office/drawing/2014/main" id="{384CD6D5-4F0E-40B0-B233-761A4885D201}"/>
+                  </a:ext>
+                </a:extLst>
+              </p:cNvPr>
+              <p:cNvCxnSpPr>
+                <a:cxnSpLocks/>
+              </p:cNvCxnSpPr>
+              <p:nvPr/>
+            </p:nvCxnSpPr>
+            <p:spPr>
+              <a:xfrm>
+                <a:off x="272623" y="1708879"/>
+                <a:ext cx="1166433" cy="0"/>
+              </a:xfrm>
+              <a:prstGeom prst="line">
+                <a:avLst/>
+              </a:prstGeom>
+              <a:ln w="76200">
+                <a:solidFill>
+                  <a:schemeClr val="tx1"/>
+                </a:solidFill>
+              </a:ln>
+            </p:spPr>
+            <p:style>
+              <a:lnRef idx="1">
+                <a:schemeClr val="accent1"/>
+              </a:lnRef>
+              <a:fillRef idx="0">
+                <a:schemeClr val="accent1"/>
+              </a:fillRef>
+              <a:effectRef idx="0">
+                <a:schemeClr val="accent1"/>
+              </a:effectRef>
+              <a:fontRef idx="minor">
+                <a:schemeClr val="tx1"/>
+              </a:fontRef>
+            </p:style>
+          </p:cxnSp>
+        </p:grpSp>
+      </p:grpSp>
+    </p:spTree>
+    <p:extLst>
+      <p:ext uri="{BB962C8B-B14F-4D97-AF65-F5344CB8AC3E}">
+        <p14:creationId xmlns:p14="http://schemas.microsoft.com/office/powerpoint/2010/main" val="1483269806"/>
+      </p:ext>
+    </p:extLst>
+  </p:cSld>
+  <p:clrMapOvr>
+    <a:masterClrMapping/>
+  </p:clrMapOvr>
+</p:sld>
+</file>
+
+<file path=ppt/slides/slide4.xml><?xml version="1.0" encoding="utf-8"?>
+<p:sld xmlns:a="http://schemas.openxmlformats.org/drawingml/2006/main" xmlns:r="http://schemas.openxmlformats.org/officeDocument/2006/relationships" xmlns:p="http://schemas.openxmlformats.org/presentationml/2006/main">
+  <p:cSld>
+    <p:spTree>
+      <p:nvGrpSpPr>
+        <p:cNvPr id="1" name=""/>
+        <p:cNvGrpSpPr/>
+        <p:nvPr/>
+      </p:nvGrpSpPr>
+      <p:grpSpPr>
+        <a:xfrm>
+          <a:off x="0" y="0"/>
+          <a:ext cx="0" cy="0"/>
+          <a:chOff x="0" y="0"/>
+          <a:chExt cx="0" cy="0"/>
+        </a:xfrm>
+      </p:grpSpPr>
+      <p:grpSp>
+        <p:nvGrpSpPr>
+          <p:cNvPr id="8" name="Group 7">
+            <a:extLst>
+              <a:ext uri="{FF2B5EF4-FFF2-40B4-BE49-F238E27FC236}">
+                <a16:creationId xmlns:a16="http://schemas.microsoft.com/office/drawing/2014/main" id="{3B3FB595-F48B-4FB7-B799-733C2252F2F0}"/>
+              </a:ext>
+            </a:extLst>
+          </p:cNvPr>
+          <p:cNvGrpSpPr/>
+          <p:nvPr/>
+        </p:nvGrpSpPr>
+        <p:grpSpPr>
+          <a:xfrm>
+            <a:off x="356748" y="738396"/>
+            <a:ext cx="2886954" cy="2123658"/>
+            <a:chOff x="249836" y="75027"/>
+            <a:chExt cx="2886954" cy="2123658"/>
+          </a:xfrm>
+        </p:grpSpPr>
+        <p:sp>
+          <p:nvSpPr>
+            <p:cNvPr id="2" name="Rectangle 1">
+              <a:extLst>
+                <a:ext uri="{FF2B5EF4-FFF2-40B4-BE49-F238E27FC236}">
+                  <a16:creationId xmlns:a16="http://schemas.microsoft.com/office/drawing/2014/main" id="{147F2E1A-62AD-4ADC-9B4F-CAB9E95B99CB}"/>
+                </a:ext>
+              </a:extLst>
+            </p:cNvPr>
+            <p:cNvSpPr/>
+            <p:nvPr/>
+          </p:nvSpPr>
+          <p:spPr>
+            <a:xfrm>
+              <a:off x="1541803" y="75027"/>
+              <a:ext cx="1594987" cy="2123658"/>
+            </a:xfrm>
+            <a:prstGeom prst="rect">
+              <a:avLst/>
+            </a:prstGeom>
+          </p:spPr>
+          <p:txBody>
+            <a:bodyPr wrap="none" lIns="0" tIns="0" rIns="0" bIns="0" anchor="b">
+              <a:spAutoFit/>
+            </a:bodyPr>
+            <a:lstStyle/>
+            <a:p>
+              <a:pPr algn="ctr"/>
+              <a:r>
+                <a:rPr lang="en-US" sz="13800" b="1" dirty="0">
+                  <a:latin typeface="Arial Nova" panose="020B0504020202020204" pitchFamily="34" charset="0"/>
+                  <a:cs typeface="Arial" panose="020B0604020202020204" pitchFamily="34" charset="0"/>
+                </a:rPr>
+                <a:t>IT</a:t>
+              </a:r>
+              <a:endParaRPr lang="en-US" sz="16600" b="1" dirty="0">
+                <a:latin typeface="Arial Nova" panose="020B0504020202020204" pitchFamily="34" charset="0"/>
+                <a:cs typeface="Arial" panose="020B0604020202020204" pitchFamily="34" charset="0"/>
+              </a:endParaRPr>
+            </a:p>
+          </p:txBody>
+        </p:sp>
+        <p:grpSp>
+          <p:nvGrpSpPr>
+            <p:cNvPr id="7" name="Group 6">
+              <a:extLst>
+                <a:ext uri="{FF2B5EF4-FFF2-40B4-BE49-F238E27FC236}">
+                  <a16:creationId xmlns:a16="http://schemas.microsoft.com/office/drawing/2014/main" id="{B2B6F31D-A933-454A-B947-D9153F4AA953}"/>
+                </a:ext>
+              </a:extLst>
+            </p:cNvPr>
+            <p:cNvGrpSpPr/>
+            <p:nvPr/>
+          </p:nvGrpSpPr>
+          <p:grpSpPr>
+            <a:xfrm>
+              <a:off x="249836" y="443163"/>
+              <a:ext cx="1346931" cy="1477328"/>
+              <a:chOff x="194872" y="398192"/>
+              <a:chExt cx="1346931" cy="1477328"/>
+            </a:xfrm>
+          </p:grpSpPr>
+          <p:sp>
+            <p:nvSpPr>
+              <p:cNvPr id="3" name="Rectangle 2">
+                <a:extLst>
+                  <a:ext uri="{FF2B5EF4-FFF2-40B4-BE49-F238E27FC236}">
+                    <a16:creationId xmlns:a16="http://schemas.microsoft.com/office/drawing/2014/main" id="{D3465D3D-7DDC-469C-9F5B-58CBFE85A7B2}"/>
+                  </a:ext>
+                </a:extLst>
+              </p:cNvPr>
+              <p:cNvSpPr/>
+              <p:nvPr/>
+            </p:nvSpPr>
+            <p:spPr>
+              <a:xfrm>
+                <a:off x="194872" y="398192"/>
+                <a:ext cx="1346931" cy="1477328"/>
+              </a:xfrm>
+              <a:prstGeom prst="rect">
+                <a:avLst/>
+              </a:prstGeom>
+            </p:spPr>
+            <p:txBody>
+              <a:bodyPr wrap="square" lIns="0" tIns="0" rIns="0" bIns="0" anchor="b">
+                <a:spAutoFit/>
+              </a:bodyPr>
+              <a:lstStyle/>
+              <a:p>
+                <a:endParaRPr lang="en-US" sz="9600" dirty="0"/>
+              </a:p>
+            </p:txBody>
+          </p:sp>
+          <p:cxnSp>
+            <p:nvCxnSpPr>
+              <p:cNvPr id="5" name="Straight Connector 4">
+                <a:extLst>
+                  <a:ext uri="{FF2B5EF4-FFF2-40B4-BE49-F238E27FC236}">
+                    <a16:creationId xmlns:a16="http://schemas.microsoft.com/office/drawing/2014/main" id="{384CD6D5-4F0E-40B0-B233-761A4885D201}"/>
+                  </a:ext>
+                </a:extLst>
+              </p:cNvPr>
+              <p:cNvCxnSpPr>
+                <a:cxnSpLocks/>
+              </p:cNvCxnSpPr>
+              <p:nvPr/>
+            </p:nvCxnSpPr>
+            <p:spPr>
+              <a:xfrm>
+                <a:off x="272623" y="1708879"/>
+                <a:ext cx="1166433" cy="0"/>
+              </a:xfrm>
+              <a:prstGeom prst="line">
+                <a:avLst/>
+              </a:prstGeom>
+              <a:ln w="76200">
+                <a:solidFill>
+                  <a:schemeClr val="tx1"/>
+                </a:solidFill>
+              </a:ln>
+            </p:spPr>
+            <p:style>
+              <a:lnRef idx="1">
+                <a:schemeClr val="accent1"/>
+              </a:lnRef>
+              <a:fillRef idx="0">
+                <a:schemeClr val="accent1"/>
+              </a:fillRef>
+              <a:effectRef idx="0">
+                <a:schemeClr val="accent1"/>
+              </a:effectRef>
+              <a:fontRef idx="minor">
+                <a:schemeClr val="tx1"/>
+              </a:fontRef>
+            </p:style>
+          </p:cxnSp>
+        </p:grpSp>
+      </p:grpSp>
+    </p:spTree>
+    <p:extLst>
+      <p:ext uri="{BB962C8B-B14F-4D97-AF65-F5344CB8AC3E}">
+        <p14:creationId xmlns:p14="http://schemas.microsoft.com/office/powerpoint/2010/main" val="3617285884"/>
+      </p:ext>
+    </p:extLst>
+  </p:cSld>
+  <p:clrMapOvr>
+    <a:masterClrMapping/>
+  </p:clrMapOvr>
+</p:sld>
+</file>
+
 <file path=ppt/theme/theme1.xml><?xml version="1.0" encoding="utf-8"?>
 <a:theme xmlns:a="http://schemas.openxmlformats.org/drawingml/2006/main" name="Office Theme">
   <a:themeElements>
